--- a/doc/課題説明書.pptx
+++ b/doc/課題説明書.pptx
@@ -106,6 +106,11 @@
       </a:defRPr>
     </a:lvl9pPr>
   </p:defaultTextStyle>
+  <p:extLst>
+    <p:ext uri="{EFAFB233-063F-42B5-8137-9DF3F51BA10A}">
+      <p15:sldGuideLst xmlns:p15="http://schemas.microsoft.com/office/powerpoint/2012/main"/>
+    </p:ext>
+  </p:extLst>
 </p:presentation>
 </file>
 
@@ -240,7 +245,7 @@
           <a:p>
             <a:fld id="{38FC46FA-6FE5-604D-9700-0568F18AB7B5}" type="datetimeFigureOut">
               <a:rPr kumimoji="1" lang="ja-JP" altLang="en-US" smtClean="0"/>
-              <a:t>2015/10/16</a:t>
+              <a:t>2015/10/20</a:t>
             </a:fld>
             <a:endParaRPr kumimoji="1" lang="ja-JP" altLang="en-US"/>
           </a:p>
@@ -442,7 +447,7 @@
           <a:p>
             <a:fld id="{38FC46FA-6FE5-604D-9700-0568F18AB7B5}" type="datetimeFigureOut">
               <a:rPr kumimoji="1" lang="ja-JP" altLang="en-US" smtClean="0"/>
-              <a:t>2015/10/16</a:t>
+              <a:t>2015/10/20</a:t>
             </a:fld>
             <a:endParaRPr kumimoji="1" lang="ja-JP" altLang="en-US"/>
           </a:p>
@@ -654,7 +659,7 @@
           <a:p>
             <a:fld id="{38FC46FA-6FE5-604D-9700-0568F18AB7B5}" type="datetimeFigureOut">
               <a:rPr kumimoji="1" lang="ja-JP" altLang="en-US" smtClean="0"/>
-              <a:t>2015/10/16</a:t>
+              <a:t>2015/10/20</a:t>
             </a:fld>
             <a:endParaRPr kumimoji="1" lang="ja-JP" altLang="en-US"/>
           </a:p>
@@ -856,7 +861,7 @@
           <a:p>
             <a:fld id="{38FC46FA-6FE5-604D-9700-0568F18AB7B5}" type="datetimeFigureOut">
               <a:rPr kumimoji="1" lang="ja-JP" altLang="en-US" smtClean="0"/>
-              <a:t>2015/10/16</a:t>
+              <a:t>2015/10/20</a:t>
             </a:fld>
             <a:endParaRPr kumimoji="1" lang="ja-JP" altLang="en-US"/>
           </a:p>
@@ -1102,7 +1107,7 @@
           <a:p>
             <a:fld id="{38FC46FA-6FE5-604D-9700-0568F18AB7B5}" type="datetimeFigureOut">
               <a:rPr kumimoji="1" lang="ja-JP" altLang="en-US" smtClean="0"/>
-              <a:t>2015/10/16</a:t>
+              <a:t>2015/10/20</a:t>
             </a:fld>
             <a:endParaRPr kumimoji="1" lang="ja-JP" altLang="en-US"/>
           </a:p>
@@ -1398,7 +1403,7 @@
           <a:p>
             <a:fld id="{38FC46FA-6FE5-604D-9700-0568F18AB7B5}" type="datetimeFigureOut">
               <a:rPr kumimoji="1" lang="ja-JP" altLang="en-US" smtClean="0"/>
-              <a:t>2015/10/16</a:t>
+              <a:t>2015/10/20</a:t>
             </a:fld>
             <a:endParaRPr kumimoji="1" lang="ja-JP" altLang="en-US"/>
           </a:p>
@@ -1829,7 +1834,7 @@
           <a:p>
             <a:fld id="{38FC46FA-6FE5-604D-9700-0568F18AB7B5}" type="datetimeFigureOut">
               <a:rPr kumimoji="1" lang="ja-JP" altLang="en-US" smtClean="0"/>
-              <a:t>2015/10/16</a:t>
+              <a:t>2015/10/20</a:t>
             </a:fld>
             <a:endParaRPr kumimoji="1" lang="ja-JP" altLang="en-US"/>
           </a:p>
@@ -1947,7 +1952,7 @@
           <a:p>
             <a:fld id="{38FC46FA-6FE5-604D-9700-0568F18AB7B5}" type="datetimeFigureOut">
               <a:rPr kumimoji="1" lang="ja-JP" altLang="en-US" smtClean="0"/>
-              <a:t>2015/10/16</a:t>
+              <a:t>2015/10/20</a:t>
             </a:fld>
             <a:endParaRPr kumimoji="1" lang="ja-JP" altLang="en-US"/>
           </a:p>
@@ -2042,7 +2047,7 @@
           <a:p>
             <a:fld id="{38FC46FA-6FE5-604D-9700-0568F18AB7B5}" type="datetimeFigureOut">
               <a:rPr kumimoji="1" lang="ja-JP" altLang="en-US" smtClean="0"/>
-              <a:t>2015/10/16</a:t>
+              <a:t>2015/10/20</a:t>
             </a:fld>
             <a:endParaRPr kumimoji="1" lang="ja-JP" altLang="en-US"/>
           </a:p>
@@ -2351,7 +2356,7 @@
           <a:p>
             <a:fld id="{38FC46FA-6FE5-604D-9700-0568F18AB7B5}" type="datetimeFigureOut">
               <a:rPr kumimoji="1" lang="ja-JP" altLang="en-US" smtClean="0"/>
-              <a:t>2015/10/16</a:t>
+              <a:t>2015/10/20</a:t>
             </a:fld>
             <a:endParaRPr kumimoji="1" lang="ja-JP" altLang="en-US"/>
           </a:p>
@@ -2604,7 +2609,7 @@
           <a:p>
             <a:fld id="{38FC46FA-6FE5-604D-9700-0568F18AB7B5}" type="datetimeFigureOut">
               <a:rPr kumimoji="1" lang="ja-JP" altLang="en-US" smtClean="0"/>
-              <a:t>2015/10/16</a:t>
+              <a:t>2015/10/20</a:t>
             </a:fld>
             <a:endParaRPr kumimoji="1" lang="ja-JP" altLang="en-US"/>
           </a:p>
@@ -2849,7 +2854,7 @@
           <a:p>
             <a:fld id="{38FC46FA-6FE5-604D-9700-0568F18AB7B5}" type="datetimeFigureOut">
               <a:rPr kumimoji="1" lang="ja-JP" altLang="en-US" smtClean="0"/>
-              <a:t>2015/10/16</a:t>
+              <a:t>2015/10/20</a:t>
             </a:fld>
             <a:endParaRPr kumimoji="1" lang="ja-JP" altLang="en-US"/>
           </a:p>
@@ -3451,7 +3456,9 @@
         </p:nvSpPr>
         <p:spPr/>
         <p:txBody>
-          <a:bodyPr/>
+          <a:bodyPr>
+            <a:normAutofit lnSpcReduction="10000"/>
+          </a:bodyPr>
           <a:lstStyle/>
           <a:p>
             <a:r>
@@ -3462,15 +3469,7 @@
           <a:p>
             <a:r>
               <a:rPr kumimoji="1" lang="ja-JP" altLang="en-US" dirty="0" smtClean="0"/>
-              <a:t>駅は</a:t>
-            </a:r>
-            <a:r>
-              <a:rPr kumimoji="1" lang="ja-JP" altLang="en-US" smtClean="0"/>
-              <a:t>設定から選択アイテムと</a:t>
-            </a:r>
-            <a:r>
-              <a:rPr kumimoji="1" lang="ja-JP" altLang="en-US" dirty="0" smtClean="0"/>
-              <a:t>駅データ</a:t>
+              <a:t>駅は設定から選択アイテムと駅データ</a:t>
             </a:r>
             <a:r>
               <a:rPr kumimoji="1" lang="en-US" altLang="ja-JP" dirty="0" smtClean="0"/>
@@ -3489,38 +3488,60 @@
           </a:p>
           <a:p>
             <a:r>
+              <a:rPr kumimoji="1" lang="ja-JP" altLang="en-US" dirty="0" smtClean="0"/>
+              <a:t>午前</a:t>
+            </a:r>
+            <a:r>
+              <a:rPr kumimoji="1" lang="ja-JP" altLang="en-US" dirty="0" smtClean="0"/>
+              <a:t>は自宅の現在の降雨量を上に、オフィスの移動時間後の降雨量予想を下に表示します。午後は自宅とオフィスの上下が逆になります。</a:t>
+            </a:r>
+          </a:p>
+          <a:p>
+            <a:r>
+              <a:rPr kumimoji="1" lang="ja-JP" altLang="en-US" dirty="0" smtClean="0"/>
+              <a:t>サマリの</a:t>
+            </a:r>
+            <a:r>
+              <a:rPr kumimoji="1" lang="ja-JP" altLang="en-US" dirty="0" smtClean="0"/>
+              <a:t>出発地、目的地</a:t>
+            </a:r>
+            <a:r>
+              <a:rPr kumimoji="1" lang="ja-JP" altLang="en-US" dirty="0" smtClean="0"/>
+              <a:t>を</a:t>
+            </a:r>
+            <a:r>
+              <a:rPr kumimoji="1" lang="ja-JP" altLang="en-US" dirty="0" smtClean="0"/>
+              <a:t>ロング</a:t>
+            </a:r>
+            <a:r>
+              <a:rPr kumimoji="1" lang="ja-JP" altLang="en-US" dirty="0" smtClean="0"/>
+              <a:t>クリック</a:t>
+            </a:r>
+            <a:r>
+              <a:rPr kumimoji="1" lang="ja-JP" altLang="en-US" dirty="0" smtClean="0"/>
+              <a:t>すると、詳細画面に５分毎の降雨量予想一覧を表示します</a:t>
+            </a:r>
+            <a:r>
+              <a:rPr kumimoji="1" lang="ja-JP" altLang="en-US" dirty="0" smtClean="0"/>
+              <a:t>。</a:t>
+            </a:r>
+          </a:p>
+          <a:p>
+            <a:r>
               <a:rPr lang="en-US" altLang="ja-JP" dirty="0" smtClean="0"/>
               <a:t>[</a:t>
             </a:r>
             <a:r>
               <a:rPr lang="ja-JP" altLang="en-US" dirty="0" smtClean="0"/>
-              <a:t>未完成</a:t>
+              <a:t>未対応</a:t>
             </a:r>
             <a:r>
               <a:rPr lang="en-US" altLang="ja-JP" dirty="0" smtClean="0"/>
               <a:t>]</a:t>
             </a:r>
             <a:r>
-              <a:rPr kumimoji="1" lang="ja-JP" altLang="en-US" dirty="0" smtClean="0"/>
-              <a:t>午前は自宅の現在の降雨量を上に、オフィスの移動時間後の降雨量予想を下に表示します。午後は自宅とオフィスの上下が逆になります。</a:t>
-            </a:r>
-          </a:p>
-          <a:p>
-            <a:r>
-              <a:rPr lang="en-US" altLang="ja-JP" dirty="0" smtClean="0"/>
-              <a:t>[</a:t>
-            </a:r>
-            <a:r>
               <a:rPr lang="ja-JP" altLang="en-US" dirty="0" smtClean="0"/>
-              <a:t>未完成</a:t>
-            </a:r>
-            <a:r>
-              <a:rPr lang="en-US" altLang="ja-JP" dirty="0" smtClean="0"/>
-              <a:t>]</a:t>
-            </a:r>
-            <a:r>
-              <a:rPr kumimoji="1" lang="ja-JP" altLang="en-US" dirty="0" smtClean="0"/>
-              <a:t>サマリの上下をクリックすると、詳細画面に５分毎の降雨量予想一覧を表示します。</a:t>
+              <a:t>画面を回転するとレイアウトが変化します。</a:t>
             </a:r>
             <a:endParaRPr kumimoji="1" lang="en-US" altLang="ja-JP" dirty="0" smtClean="0"/>
           </a:p>

--- a/doc/課題説明書.pptx
+++ b/doc/課題説明書.pptx
@@ -3457,7 +3457,7 @@
         <p:spPr/>
         <p:txBody>
           <a:bodyPr>
-            <a:normAutofit lnSpcReduction="10000"/>
+            <a:normAutofit fontScale="92500" lnSpcReduction="10000"/>
           </a:bodyPr>
           <a:lstStyle/>
           <a:p>
@@ -3469,7 +3469,27 @@
           <a:p>
             <a:r>
               <a:rPr kumimoji="1" lang="ja-JP" altLang="en-US" dirty="0" smtClean="0"/>
-              <a:t>駅は設定から選択アイテムと駅データ</a:t>
+              <a:t>駅は設定</a:t>
+            </a:r>
+            <a:r>
+              <a:rPr kumimoji="1" lang="ja-JP" altLang="en-US" dirty="0" smtClean="0"/>
+              <a:t>か</a:t>
+            </a:r>
+            <a:r>
+              <a:rPr kumimoji="1" lang="ja-JP" altLang="en-US" dirty="0" smtClean="0"/>
+              <a:t>ら</a:t>
+            </a:r>
+            <a:r>
+              <a:rPr kumimoji="1" lang="en-US" altLang="ja-JP" dirty="0" smtClean="0"/>
+              <a:t>Spinner</a:t>
+            </a:r>
+            <a:r>
+              <a:rPr kumimoji="1" lang="ja-JP" altLang="en-US" dirty="0" smtClean="0"/>
+              <a:t>と</a:t>
+            </a:r>
+            <a:r>
+              <a:rPr kumimoji="1" lang="ja-JP" altLang="en-US" dirty="0" smtClean="0"/>
+              <a:t>駅データ</a:t>
             </a:r>
             <a:r>
               <a:rPr kumimoji="1" lang="en-US" altLang="ja-JP" dirty="0" smtClean="0"/>
@@ -3483,7 +3503,43 @@
           <a:p>
             <a:r>
               <a:rPr kumimoji="1" lang="ja-JP" altLang="en-US" dirty="0" smtClean="0"/>
-              <a:t>メインのサマリ画面では自宅と１時間後のオフィスの降雨量を表示します。</a:t>
+              <a:t>サマリ画面</a:t>
+            </a:r>
+            <a:r>
+              <a:rPr kumimoji="1" lang="en-US" altLang="ja-JP" dirty="0" smtClean="0"/>
+              <a:t>(</a:t>
+            </a:r>
+            <a:r>
+              <a:rPr kumimoji="1" lang="ja-JP" altLang="en-US" dirty="0" smtClean="0"/>
+              <a:t>メイン</a:t>
+            </a:r>
+            <a:r>
+              <a:rPr kumimoji="1" lang="en-US" altLang="ja-JP" dirty="0" smtClean="0"/>
+              <a:t>)</a:t>
+            </a:r>
+            <a:r>
+              <a:rPr kumimoji="1" lang="ja-JP" altLang="en-US" dirty="0" smtClean="0"/>
+              <a:t>では</a:t>
+            </a:r>
+            <a:r>
+              <a:rPr kumimoji="1" lang="ja-JP" altLang="en-US" dirty="0" smtClean="0"/>
+              <a:t>自宅</a:t>
+            </a:r>
+            <a:r>
+              <a:rPr kumimoji="1" lang="ja-JP" altLang="en-US" dirty="0" smtClean="0"/>
+              <a:t>と</a:t>
+            </a:r>
+            <a:r>
+              <a:rPr kumimoji="1" lang="ja-JP" altLang="en-US" dirty="0" smtClean="0"/>
+              <a:t>移動時間</a:t>
+            </a:r>
+            <a:r>
+              <a:rPr kumimoji="1" lang="ja-JP" altLang="en-US" dirty="0" smtClean="0"/>
+              <a:t>後</a:t>
+            </a:r>
+            <a:r>
+              <a:rPr kumimoji="1" lang="ja-JP" altLang="en-US" dirty="0" smtClean="0"/>
+              <a:t>のオフィスの降雨量を表示します。</a:t>
             </a:r>
           </a:p>
           <a:p>
@@ -3528,17 +3584,20 @@
           </a:p>
           <a:p>
             <a:r>
-              <a:rPr lang="en-US" altLang="ja-JP" dirty="0" smtClean="0"/>
-              <a:t>[</a:t>
-            </a:r>
-            <a:r>
-              <a:rPr lang="ja-JP" altLang="en-US" dirty="0" smtClean="0"/>
-              <a:t>未対応</a:t>
-            </a:r>
-            <a:r>
-              <a:rPr lang="en-US" altLang="ja-JP" dirty="0" smtClean="0"/>
-              <a:t>]</a:t>
-            </a:r>
+              <a:rPr kumimoji="1" lang="ja-JP" altLang="en-US" dirty="0" smtClean="0"/>
+              <a:t>詳細画面のメニューからブラウザで</a:t>
+            </a:r>
+            <a:r>
+              <a:rPr kumimoji="1" lang="en-US" altLang="ja-JP" dirty="0" smtClean="0"/>
+              <a:t>Yahoo</a:t>
+            </a:r>
+            <a:r>
+              <a:rPr kumimoji="1" lang="ja-JP" altLang="en-US" dirty="0" smtClean="0"/>
+              <a:t>雨雲マップを呼び出します。</a:t>
+            </a:r>
+            <a:endParaRPr kumimoji="1" lang="ja-JP" altLang="en-US" dirty="0" smtClean="0"/>
+          </a:p>
+          <a:p>
             <a:r>
               <a:rPr lang="ja-JP" altLang="en-US" dirty="0" smtClean="0"/>
               <a:t>画面を回転するとレイアウトが変化します。</a:t>

--- a/doc/課題説明書.pptx
+++ b/doc/課題説明書.pptx
@@ -245,7 +245,7 @@
           <a:p>
             <a:fld id="{38FC46FA-6FE5-604D-9700-0568F18AB7B5}" type="datetimeFigureOut">
               <a:rPr kumimoji="1" lang="ja-JP" altLang="en-US" smtClean="0"/>
-              <a:t>2015/10/20</a:t>
+              <a:t>2015/10/23</a:t>
             </a:fld>
             <a:endParaRPr kumimoji="1" lang="ja-JP" altLang="en-US"/>
           </a:p>
@@ -447,7 +447,7 @@
           <a:p>
             <a:fld id="{38FC46FA-6FE5-604D-9700-0568F18AB7B5}" type="datetimeFigureOut">
               <a:rPr kumimoji="1" lang="ja-JP" altLang="en-US" smtClean="0"/>
-              <a:t>2015/10/20</a:t>
+              <a:t>2015/10/23</a:t>
             </a:fld>
             <a:endParaRPr kumimoji="1" lang="ja-JP" altLang="en-US"/>
           </a:p>
@@ -659,7 +659,7 @@
           <a:p>
             <a:fld id="{38FC46FA-6FE5-604D-9700-0568F18AB7B5}" type="datetimeFigureOut">
               <a:rPr kumimoji="1" lang="ja-JP" altLang="en-US" smtClean="0"/>
-              <a:t>2015/10/20</a:t>
+              <a:t>2015/10/23</a:t>
             </a:fld>
             <a:endParaRPr kumimoji="1" lang="ja-JP" altLang="en-US"/>
           </a:p>
@@ -861,7 +861,7 @@
           <a:p>
             <a:fld id="{38FC46FA-6FE5-604D-9700-0568F18AB7B5}" type="datetimeFigureOut">
               <a:rPr kumimoji="1" lang="ja-JP" altLang="en-US" smtClean="0"/>
-              <a:t>2015/10/20</a:t>
+              <a:t>2015/10/23</a:t>
             </a:fld>
             <a:endParaRPr kumimoji="1" lang="ja-JP" altLang="en-US"/>
           </a:p>
@@ -1107,7 +1107,7 @@
           <a:p>
             <a:fld id="{38FC46FA-6FE5-604D-9700-0568F18AB7B5}" type="datetimeFigureOut">
               <a:rPr kumimoji="1" lang="ja-JP" altLang="en-US" smtClean="0"/>
-              <a:t>2015/10/20</a:t>
+              <a:t>2015/10/23</a:t>
             </a:fld>
             <a:endParaRPr kumimoji="1" lang="ja-JP" altLang="en-US"/>
           </a:p>
@@ -1403,7 +1403,7 @@
           <a:p>
             <a:fld id="{38FC46FA-6FE5-604D-9700-0568F18AB7B5}" type="datetimeFigureOut">
               <a:rPr kumimoji="1" lang="ja-JP" altLang="en-US" smtClean="0"/>
-              <a:t>2015/10/20</a:t>
+              <a:t>2015/10/23</a:t>
             </a:fld>
             <a:endParaRPr kumimoji="1" lang="ja-JP" altLang="en-US"/>
           </a:p>
@@ -1834,7 +1834,7 @@
           <a:p>
             <a:fld id="{38FC46FA-6FE5-604D-9700-0568F18AB7B5}" type="datetimeFigureOut">
               <a:rPr kumimoji="1" lang="ja-JP" altLang="en-US" smtClean="0"/>
-              <a:t>2015/10/20</a:t>
+              <a:t>2015/10/23</a:t>
             </a:fld>
             <a:endParaRPr kumimoji="1" lang="ja-JP" altLang="en-US"/>
           </a:p>
@@ -1952,7 +1952,7 @@
           <a:p>
             <a:fld id="{38FC46FA-6FE5-604D-9700-0568F18AB7B5}" type="datetimeFigureOut">
               <a:rPr kumimoji="1" lang="ja-JP" altLang="en-US" smtClean="0"/>
-              <a:t>2015/10/20</a:t>
+              <a:t>2015/10/23</a:t>
             </a:fld>
             <a:endParaRPr kumimoji="1" lang="ja-JP" altLang="en-US"/>
           </a:p>
@@ -2047,7 +2047,7 @@
           <a:p>
             <a:fld id="{38FC46FA-6FE5-604D-9700-0568F18AB7B5}" type="datetimeFigureOut">
               <a:rPr kumimoji="1" lang="ja-JP" altLang="en-US" smtClean="0"/>
-              <a:t>2015/10/20</a:t>
+              <a:t>2015/10/23</a:t>
             </a:fld>
             <a:endParaRPr kumimoji="1" lang="ja-JP" altLang="en-US"/>
           </a:p>
@@ -2356,7 +2356,7 @@
           <a:p>
             <a:fld id="{38FC46FA-6FE5-604D-9700-0568F18AB7B5}" type="datetimeFigureOut">
               <a:rPr kumimoji="1" lang="ja-JP" altLang="en-US" smtClean="0"/>
-              <a:t>2015/10/20</a:t>
+              <a:t>2015/10/23</a:t>
             </a:fld>
             <a:endParaRPr kumimoji="1" lang="ja-JP" altLang="en-US"/>
           </a:p>
@@ -2609,7 +2609,7 @@
           <a:p>
             <a:fld id="{38FC46FA-6FE5-604D-9700-0568F18AB7B5}" type="datetimeFigureOut">
               <a:rPr kumimoji="1" lang="ja-JP" altLang="en-US" smtClean="0"/>
-              <a:t>2015/10/20</a:t>
+              <a:t>2015/10/23</a:t>
             </a:fld>
             <a:endParaRPr kumimoji="1" lang="ja-JP" altLang="en-US"/>
           </a:p>
@@ -2854,7 +2854,7 @@
           <a:p>
             <a:fld id="{38FC46FA-6FE5-604D-9700-0568F18AB7B5}" type="datetimeFigureOut">
               <a:rPr kumimoji="1" lang="ja-JP" altLang="en-US" smtClean="0"/>
-              <a:t>2015/10/20</a:t>
+              <a:t>2015/10/23</a:t>
             </a:fld>
             <a:endParaRPr kumimoji="1" lang="ja-JP" altLang="en-US"/>
           </a:p>
@@ -3469,15 +3469,7 @@
           <a:p>
             <a:r>
               <a:rPr kumimoji="1" lang="ja-JP" altLang="en-US" dirty="0" smtClean="0"/>
-              <a:t>駅は設定</a:t>
-            </a:r>
-            <a:r>
-              <a:rPr kumimoji="1" lang="ja-JP" altLang="en-US" dirty="0" smtClean="0"/>
-              <a:t>か</a:t>
-            </a:r>
-            <a:r>
-              <a:rPr kumimoji="1" lang="ja-JP" altLang="en-US" dirty="0" smtClean="0"/>
-              <a:t>ら</a:t>
+              <a:t>駅は設定から</a:t>
             </a:r>
             <a:r>
               <a:rPr kumimoji="1" lang="en-US" altLang="ja-JP" dirty="0" smtClean="0"/>
@@ -3485,11 +3477,7 @@
             </a:r>
             <a:r>
               <a:rPr kumimoji="1" lang="ja-JP" altLang="en-US" dirty="0" smtClean="0"/>
-              <a:t>と</a:t>
-            </a:r>
-            <a:r>
-              <a:rPr kumimoji="1" lang="ja-JP" altLang="en-US" dirty="0" smtClean="0"/>
-              <a:t>駅データ</a:t>
+              <a:t>と駅データ</a:t>
             </a:r>
             <a:r>
               <a:rPr kumimoji="1" lang="en-US" altLang="ja-JP" dirty="0" smtClean="0"/>
@@ -3523,63 +3511,59 @@
             </a:r>
             <a:r>
               <a:rPr kumimoji="1" lang="ja-JP" altLang="en-US" dirty="0" smtClean="0"/>
-              <a:t>自宅</a:t>
+              <a:t>現在地と</a:t>
             </a:r>
             <a:r>
               <a:rPr kumimoji="1" lang="ja-JP" altLang="en-US" dirty="0" smtClean="0"/>
-              <a:t>と</a:t>
+              <a:t>移動後の降雨量</a:t>
             </a:r>
             <a:r>
               <a:rPr kumimoji="1" lang="ja-JP" altLang="en-US" dirty="0" smtClean="0"/>
-              <a:t>移動時間</a:t>
-            </a:r>
+              <a:t>を表示します。</a:t>
+            </a:r>
+          </a:p>
+          <a:p>
             <a:r>
               <a:rPr kumimoji="1" lang="ja-JP" altLang="en-US" dirty="0" smtClean="0"/>
-              <a:t>後</a:t>
+              <a:t>午前は自宅</a:t>
             </a:r>
             <a:r>
               <a:rPr kumimoji="1" lang="ja-JP" altLang="en-US" dirty="0" smtClean="0"/>
-              <a:t>のオフィスの降雨量を表示します。</a:t>
-            </a:r>
-          </a:p>
-          <a:p>
+              <a:t>の降</a:t>
+            </a:r>
             <a:r>
               <a:rPr kumimoji="1" lang="ja-JP" altLang="en-US" dirty="0" smtClean="0"/>
-              <a:t>午前</a:t>
+              <a:t>水</a:t>
             </a:r>
             <a:r>
               <a:rPr kumimoji="1" lang="ja-JP" altLang="en-US" dirty="0" smtClean="0"/>
-              <a:t>は自宅の現在の降雨量を上に、オフィスの移動時間後の降雨量予想を下に表示します。午後は自宅とオフィスの上下が逆になります。</a:t>
-            </a:r>
-          </a:p>
-          <a:p>
+              <a:t>量</a:t>
+            </a:r>
             <a:r>
               <a:rPr kumimoji="1" lang="ja-JP" altLang="en-US" dirty="0" smtClean="0"/>
-              <a:t>サマリの</a:t>
+              <a:t>を上に、オフィスの移動時間後の</a:t>
             </a:r>
             <a:r>
               <a:rPr kumimoji="1" lang="ja-JP" altLang="en-US" dirty="0" smtClean="0"/>
-              <a:t>出発地、目的地</a:t>
+              <a:t>降</a:t>
             </a:r>
             <a:r>
               <a:rPr kumimoji="1" lang="ja-JP" altLang="en-US" dirty="0" smtClean="0"/>
-              <a:t>を</a:t>
+              <a:t>水</a:t>
             </a:r>
             <a:r>
               <a:rPr kumimoji="1" lang="ja-JP" altLang="en-US" dirty="0" smtClean="0"/>
-              <a:t>ロング</a:t>
+              <a:t>量</a:t>
             </a:r>
             <a:r>
               <a:rPr kumimoji="1" lang="ja-JP" altLang="en-US" dirty="0" smtClean="0"/>
-              <a:t>クリック</a:t>
-            </a:r>
+              <a:t>予想を下に表示します。午後は自宅とオフィスの上下が逆になります。</a:t>
+            </a:r>
+          </a:p>
+          <a:p>
             <a:r>
               <a:rPr kumimoji="1" lang="ja-JP" altLang="en-US" dirty="0" smtClean="0"/>
-              <a:t>すると、詳細画面に５分毎の降雨量予想一覧を表示します</a:t>
-            </a:r>
-            <a:r>
-              <a:rPr kumimoji="1" lang="ja-JP" altLang="en-US" dirty="0" smtClean="0"/>
-              <a:t>。</a:t>
+              <a:t>サマリの出発地、目的地をロングクリックすると、詳細画面に５分毎の降雨量予想一覧を表示します。</a:t>
             </a:r>
           </a:p>
           <a:p>
@@ -3595,12 +3579,25 @@
               <a:rPr kumimoji="1" lang="ja-JP" altLang="en-US" dirty="0" smtClean="0"/>
               <a:t>雨雲マップを呼び出します。</a:t>
             </a:r>
-            <a:endParaRPr kumimoji="1" lang="ja-JP" altLang="en-US" dirty="0" smtClean="0"/>
           </a:p>
           <a:p>
             <a:r>
               <a:rPr lang="ja-JP" altLang="en-US" dirty="0" smtClean="0"/>
-              <a:t>画面を回転するとレイアウトが変化します。</a:t>
+              <a:t>画面を回転するとレイアウトが変化します</a:t>
+            </a:r>
+            <a:r>
+              <a:rPr lang="ja-JP" altLang="en-US" dirty="0" smtClean="0"/>
+              <a:t>。</a:t>
+            </a:r>
+          </a:p>
+          <a:p>
+            <a:r>
+              <a:rPr kumimoji="1" lang="ja-JP" altLang="en-US" dirty="0" smtClean="0"/>
+              <a:t>１時間以内に雨が降る場合</a:t>
+            </a:r>
+            <a:r>
+              <a:rPr kumimoji="1" lang="ja-JP" altLang="en-US" smtClean="0"/>
+              <a:t>、通知に表示します。</a:t>
             </a:r>
             <a:endParaRPr kumimoji="1" lang="en-US" altLang="ja-JP" dirty="0" smtClean="0"/>
           </a:p>
